--- a/5. Permissions/05-PermissionsAndAccessControlLists.pptx
+++ b/5. Permissions/05-PermissionsAndAccessControlLists.pptx
@@ -308,7 +308,7 @@
           <a:p>
             <a:fld id="{3EA744D9-3FBE-48D8-BF2A-85DF203E4D20}" type="datetimeFigureOut">
               <a:rPr lang="bg-BG" smtClean="0"/>
-              <a:t>30.10.2016 г.</a:t>
+              <a:t>6.12.2016 г.</a:t>
             </a:fld>
             <a:endParaRPr lang="bg-BG"/>
           </a:p>
@@ -478,7 +478,7 @@
           <a:p>
             <a:fld id="{3EA744D9-3FBE-48D8-BF2A-85DF203E4D20}" type="datetimeFigureOut">
               <a:rPr lang="bg-BG" smtClean="0"/>
-              <a:t>30.10.2016 г.</a:t>
+              <a:t>6.12.2016 г.</a:t>
             </a:fld>
             <a:endParaRPr lang="bg-BG"/>
           </a:p>
@@ -658,7 +658,7 @@
           <a:p>
             <a:fld id="{3EA744D9-3FBE-48D8-BF2A-85DF203E4D20}" type="datetimeFigureOut">
               <a:rPr lang="bg-BG" smtClean="0"/>
-              <a:t>30.10.2016 г.</a:t>
+              <a:t>6.12.2016 г.</a:t>
             </a:fld>
             <a:endParaRPr lang="bg-BG"/>
           </a:p>
@@ -828,7 +828,7 @@
           <a:p>
             <a:fld id="{3EA744D9-3FBE-48D8-BF2A-85DF203E4D20}" type="datetimeFigureOut">
               <a:rPr lang="bg-BG" smtClean="0"/>
-              <a:t>30.10.2016 г.</a:t>
+              <a:t>6.12.2016 г.</a:t>
             </a:fld>
             <a:endParaRPr lang="bg-BG"/>
           </a:p>
@@ -1074,7 +1074,7 @@
           <a:p>
             <a:fld id="{3EA744D9-3FBE-48D8-BF2A-85DF203E4D20}" type="datetimeFigureOut">
               <a:rPr lang="bg-BG" smtClean="0"/>
-              <a:t>30.10.2016 г.</a:t>
+              <a:t>6.12.2016 г.</a:t>
             </a:fld>
             <a:endParaRPr lang="bg-BG"/>
           </a:p>
@@ -1362,7 +1362,7 @@
           <a:p>
             <a:fld id="{3EA744D9-3FBE-48D8-BF2A-85DF203E4D20}" type="datetimeFigureOut">
               <a:rPr lang="bg-BG" smtClean="0"/>
-              <a:t>30.10.2016 г.</a:t>
+              <a:t>6.12.2016 г.</a:t>
             </a:fld>
             <a:endParaRPr lang="bg-BG"/>
           </a:p>
@@ -1784,7 +1784,7 @@
           <a:p>
             <a:fld id="{3EA744D9-3FBE-48D8-BF2A-85DF203E4D20}" type="datetimeFigureOut">
               <a:rPr lang="bg-BG" smtClean="0"/>
-              <a:t>30.10.2016 г.</a:t>
+              <a:t>6.12.2016 г.</a:t>
             </a:fld>
             <a:endParaRPr lang="bg-BG"/>
           </a:p>
@@ -1902,7 +1902,7 @@
           <a:p>
             <a:fld id="{3EA744D9-3FBE-48D8-BF2A-85DF203E4D20}" type="datetimeFigureOut">
               <a:rPr lang="bg-BG" smtClean="0"/>
-              <a:t>30.10.2016 г.</a:t>
+              <a:t>6.12.2016 г.</a:t>
             </a:fld>
             <a:endParaRPr lang="bg-BG"/>
           </a:p>
@@ -1997,7 +1997,7 @@
           <a:p>
             <a:fld id="{3EA744D9-3FBE-48D8-BF2A-85DF203E4D20}" type="datetimeFigureOut">
               <a:rPr lang="bg-BG" smtClean="0"/>
-              <a:t>30.10.2016 г.</a:t>
+              <a:t>6.12.2016 г.</a:t>
             </a:fld>
             <a:endParaRPr lang="bg-BG"/>
           </a:p>
@@ -2274,7 +2274,7 @@
           <a:p>
             <a:fld id="{3EA744D9-3FBE-48D8-BF2A-85DF203E4D20}" type="datetimeFigureOut">
               <a:rPr lang="bg-BG" smtClean="0"/>
-              <a:t>30.10.2016 г.</a:t>
+              <a:t>6.12.2016 г.</a:t>
             </a:fld>
             <a:endParaRPr lang="bg-BG"/>
           </a:p>
@@ -2527,7 +2527,7 @@
           <a:p>
             <a:fld id="{3EA744D9-3FBE-48D8-BF2A-85DF203E4D20}" type="datetimeFigureOut">
               <a:rPr lang="bg-BG" smtClean="0"/>
-              <a:t>30.10.2016 г.</a:t>
+              <a:t>6.12.2016 г.</a:t>
             </a:fld>
             <a:endParaRPr lang="bg-BG"/>
           </a:p>
@@ -2749,7 +2749,7 @@
           <a:p>
             <a:fld id="{3EA744D9-3FBE-48D8-BF2A-85DF203E4D20}" type="datetimeFigureOut">
               <a:rPr lang="bg-BG" smtClean="0"/>
-              <a:t>30.10.2016 г.</a:t>
+              <a:t>6.12.2016 г.</a:t>
             </a:fld>
             <a:endParaRPr lang="bg-BG"/>
           </a:p>
@@ -3379,14 +3379,6 @@
               </a:rPr>
               <a:t>Displaying ownership: ls –l </a:t>
             </a:r>
-            <a:r>
-              <a:rPr lang="en-US" sz="3100" dirty="0" smtClean="0">
-                <a:solidFill>
-                  <a:schemeClr val="accent6"/>
-                </a:solidFill>
-              </a:rPr>
-              <a:t/>
-            </a:r>
             <a:br>
               <a:rPr lang="en-US" sz="3100" dirty="0" smtClean="0">
                 <a:solidFill>
@@ -3430,23 +3422,7 @@
                   <a:schemeClr val="bg1"/>
                 </a:solidFill>
               </a:rPr>
-              <a:t>1. </a:t>
-            </a:r>
-            <a:r>
-              <a:rPr lang="en-US" sz="2200" dirty="0" smtClean="0">
-                <a:solidFill>
-                  <a:schemeClr val="bg1"/>
-                </a:solidFill>
-              </a:rPr>
-              <a:t>Create a file in your home directory</a:t>
-            </a:r>
-            <a:r>
-              <a:rPr lang="en-US" sz="2200" dirty="0" smtClean="0">
-                <a:solidFill>
-                  <a:schemeClr val="bg1"/>
-                </a:solidFill>
-              </a:rPr>
-              <a:t>.</a:t>
+              <a:t>1. Create a file in your home directory.</a:t>
             </a:r>
             <a:br>
               <a:rPr lang="en-US" sz="2200" dirty="0" smtClean="0">
@@ -3585,19 +3561,6 @@
               </a:rPr>
               <a:t>Permissions</a:t>
             </a:r>
-            <a:endParaRPr lang="en-US" sz="3600" dirty="0" smtClean="0">
-              <a:ln w="0"/>
-              <a:solidFill>
-                <a:schemeClr val="accent1"/>
-              </a:solidFill>
-              <a:effectLst>
-                <a:outerShdw blurRad="38100" dist="25400" dir="5400000" algn="ctr" rotWithShape="0">
-                  <a:srgbClr val="6E747A">
-                    <a:alpha val="43000"/>
-                  </a:srgbClr>
-                </a:outerShdw>
-              </a:effectLst>
-            </a:endParaRPr>
           </a:p>
           <a:p>
             <a:endParaRPr lang="en-US" sz="3600" dirty="0"/>
@@ -3909,6 +3872,21 @@
               </a:rPr>
             </a:br>
             <a:r>
+              <a:rPr lang="en-US" dirty="0" smtClean="0">
+                <a:solidFill>
+                  <a:schemeClr val="accent1"/>
+                </a:solidFill>
+              </a:rPr>
+              <a:t/>
+            </a:r>
+            <a:br>
+              <a:rPr lang="en-US" dirty="0" smtClean="0">
+                <a:solidFill>
+                  <a:schemeClr val="accent1"/>
+                </a:solidFill>
+              </a:rPr>
+            </a:br>
+            <a:r>
               <a:rPr lang="en-US" sz="2200" dirty="0" smtClean="0">
                 <a:solidFill>
                   <a:schemeClr val="accent1"/>
@@ -4031,24 +4009,32 @@
             <a:r>
               <a:rPr lang="en-US" sz="2200" dirty="0" smtClean="0">
                 <a:solidFill>
-                  <a:schemeClr val="bg1"/>
+                  <a:srgbClr val="FF0000"/>
                 </a:solidFill>
               </a:rPr>
               <a:t>Exercises:</a:t>
             </a:r>
-            <a:br>
+            <a:r>
               <a:rPr lang="en-US" sz="2200" dirty="0" smtClean="0">
                 <a:solidFill>
                   <a:schemeClr val="bg1"/>
                 </a:solidFill>
               </a:rPr>
-            </a:br>
-            <a:r>
+              <a:t/>
+            </a:r>
+            <a:br>
               <a:rPr lang="en-US" sz="2200" dirty="0" smtClean="0">
                 <a:solidFill>
                   <a:schemeClr val="bg1"/>
                 </a:solidFill>
               </a:rPr>
+            </a:br>
+            <a:r>
+              <a:rPr lang="en-US" sz="2200" dirty="0" smtClean="0">
+                <a:solidFill>
+                  <a:schemeClr val="bg1"/>
+                </a:solidFill>
+              </a:rPr>
               <a:t>1. Create a file and list its permissions, what is their value in decimal ? </a:t>
             </a:r>
             <a:br>
@@ -4236,39 +4222,7 @@
                   <a:schemeClr val="bg1"/>
                 </a:solidFill>
               </a:rPr>
-              <a:t>6. </a:t>
-            </a:r>
-            <a:r>
-              <a:rPr lang="en-US" sz="2200" dirty="0" err="1" smtClean="0">
-                <a:solidFill>
-                  <a:schemeClr val="bg1"/>
-                </a:solidFill>
-              </a:rPr>
-              <a:t>Aplly</a:t>
-            </a:r>
-            <a:r>
-              <a:rPr lang="en-US" sz="2200" dirty="0" smtClean="0">
-                <a:solidFill>
-                  <a:schemeClr val="bg1"/>
-                </a:solidFill>
-              </a:rPr>
-              <a:t> the </a:t>
-            </a:r>
-            <a:r>
-              <a:rPr lang="en-US" sz="2200" dirty="0" err="1" smtClean="0">
-                <a:solidFill>
-                  <a:schemeClr val="bg1"/>
-                </a:solidFill>
-              </a:rPr>
-              <a:t>advanved</a:t>
-            </a:r>
-            <a:r>
-              <a:rPr lang="en-US" sz="2200" dirty="0" smtClean="0">
-                <a:solidFill>
-                  <a:schemeClr val="bg1"/>
-                </a:solidFill>
-              </a:rPr>
-              <a:t> permissions on a newly created directory of your choice, use sticky bit and group collaboration. List the permissions first and test them. </a:t>
+              <a:t>6. Apply the advanced permissions on a newly created directory of your choice, use sticky bit and group collaboration. List the permissions first and test them. </a:t>
             </a:r>
             <a:endParaRPr lang="en-US" sz="2200" dirty="0">
               <a:solidFill>
@@ -4569,15 +4523,7 @@
                   <a:schemeClr val="accent6"/>
                 </a:solidFill>
               </a:rPr>
-              <a:t>In the mask, a numeric value is used that is subtracted from the maximum permissions that can be set automatically to a file, the max for file is 666, for directory is 777.</a:t>
-            </a:r>
-            <a:r>
-              <a:rPr lang="en-US" sz="3100" dirty="0" smtClean="0">
-                <a:solidFill>
-                  <a:schemeClr val="accent6"/>
-                </a:solidFill>
-              </a:rPr>
-              <a:t> </a:t>
+              <a:t>In the mask, a numeric value is used that is subtracted from the maximum permissions that can be set automatically to a file, the max for file is 666, for directory is 777. </a:t>
             </a:r>
             <a:br>
               <a:rPr lang="en-US" sz="3100" dirty="0" smtClean="0">
@@ -4604,10 +4550,18 @@
             <a:r>
               <a:rPr lang="en-US" sz="2700" dirty="0">
                 <a:solidFill>
-                  <a:schemeClr val="bg1"/>
+                  <a:srgbClr val="FF0000"/>
                 </a:solidFill>
               </a:rPr>
               <a:t>Exercises:</a:t>
+            </a:r>
+            <a:r>
+              <a:rPr lang="en-US" sz="2700" dirty="0">
+                <a:solidFill>
+                  <a:schemeClr val="bg1"/>
+                </a:solidFill>
+              </a:rPr>
+              <a:t/>
             </a:r>
             <a:br>
               <a:rPr lang="en-US" sz="2700" dirty="0">
@@ -5215,24 +5169,209 @@
                   <a:schemeClr val="accent6"/>
                 </a:solidFill>
               </a:rPr>
-              <a:t>ACL ( Access Control Lists ) =&gt; </a:t>
-            </a:r>
+              <a:t>ACL ( Access Control Lists ) =&gt; a way to add user-extended permissions.</a:t>
+            </a:r>
+            <a:r>
+              <a:rPr lang="en-US" sz="2400" dirty="0">
+                <a:solidFill>
+                  <a:schemeClr val="accent6"/>
+                </a:solidFill>
+              </a:rPr>
+              <a:t/>
+            </a:r>
+            <a:br>
+              <a:rPr lang="en-US" sz="2400" dirty="0">
+                <a:solidFill>
+                  <a:schemeClr val="accent6"/>
+                </a:solidFill>
+              </a:rPr>
+            </a:br>
             <a:r>
               <a:rPr lang="en-US" sz="2400" dirty="0" smtClean="0">
                 <a:solidFill>
                   <a:schemeClr val="accent6"/>
                 </a:solidFill>
               </a:rPr>
-              <a:t>a </a:t>
-            </a:r>
-            <a:r>
+              <a:t/>
+            </a:r>
+            <a:br>
               <a:rPr lang="en-US" sz="2400" dirty="0" smtClean="0">
                 <a:solidFill>
                   <a:schemeClr val="accent6"/>
                 </a:solidFill>
               </a:rPr>
-              <a:t>way to add user-extended permissions.</a:t>
-            </a:r>
+            </a:br>
+            <a:r>
+              <a:rPr lang="en-US" sz="2400" dirty="0" err="1" smtClean="0">
+                <a:solidFill>
+                  <a:schemeClr val="bg1"/>
+                </a:solidFill>
+              </a:rPr>
+              <a:t>getfacl</a:t>
+            </a:r>
+            <a:r>
+              <a:rPr lang="en-US" sz="2400" dirty="0" smtClean="0">
+                <a:solidFill>
+                  <a:schemeClr val="bg1"/>
+                </a:solidFill>
+              </a:rPr>
+              <a:t> /</a:t>
+            </a:r>
+            <a:r>
+              <a:rPr lang="en-US" sz="2400" dirty="0" err="1" smtClean="0">
+                <a:solidFill>
+                  <a:schemeClr val="bg1"/>
+                </a:solidFill>
+              </a:rPr>
+              <a:t>tmp</a:t>
+            </a:r>
+            <a:r>
+              <a:rPr lang="en-US" sz="2400" dirty="0" smtClean="0">
+                <a:solidFill>
+                  <a:schemeClr val="bg1"/>
+                </a:solidFill>
+              </a:rPr>
+              <a:t>/</a:t>
+            </a:r>
+            <a:r>
+              <a:rPr lang="en-US" sz="2400" dirty="0" err="1" smtClean="0">
+                <a:solidFill>
+                  <a:schemeClr val="bg1"/>
+                </a:solidFill>
+              </a:rPr>
+              <a:t>gosho</a:t>
+            </a:r>
+            <a:r>
+              <a:rPr lang="en-US" sz="2400" dirty="0" smtClean="0">
+                <a:solidFill>
+                  <a:schemeClr val="bg1"/>
+                </a:solidFill>
+              </a:rPr>
+              <a:t/>
+            </a:r>
+            <a:br>
+              <a:rPr lang="en-US" sz="2400" dirty="0" smtClean="0">
+                <a:solidFill>
+                  <a:schemeClr val="bg1"/>
+                </a:solidFill>
+              </a:rPr>
+            </a:br>
+            <a:r>
+              <a:rPr lang="en-US" sz="2400" dirty="0" err="1" smtClean="0">
+                <a:solidFill>
+                  <a:schemeClr val="bg1"/>
+                </a:solidFill>
+              </a:rPr>
+              <a:t>setfacl</a:t>
+            </a:r>
+            <a:r>
+              <a:rPr lang="en-US" sz="2400" dirty="0" smtClean="0">
+                <a:solidFill>
+                  <a:schemeClr val="bg1"/>
+                </a:solidFill>
+              </a:rPr>
+              <a:t> /</a:t>
+            </a:r>
+            <a:r>
+              <a:rPr lang="en-US" sz="2400" dirty="0" err="1" smtClean="0">
+                <a:solidFill>
+                  <a:schemeClr val="bg1"/>
+                </a:solidFill>
+              </a:rPr>
+              <a:t>tmp</a:t>
+            </a:r>
+            <a:r>
+              <a:rPr lang="en-US" sz="2400" dirty="0" smtClean="0">
+                <a:solidFill>
+                  <a:schemeClr val="bg1"/>
+                </a:solidFill>
+              </a:rPr>
+              <a:t>/</a:t>
+            </a:r>
+            <a:r>
+              <a:rPr lang="en-US" sz="2400" dirty="0" err="1" smtClean="0">
+                <a:solidFill>
+                  <a:schemeClr val="bg1"/>
+                </a:solidFill>
+              </a:rPr>
+              <a:t>gosho</a:t>
+            </a:r>
+            <a:r>
+              <a:rPr lang="en-US" sz="2400" dirty="0" smtClean="0">
+                <a:solidFill>
+                  <a:schemeClr val="accent6"/>
+                </a:solidFill>
+              </a:rPr>
+              <a:t/>
+            </a:r>
+            <a:br>
+              <a:rPr lang="en-US" sz="2400" dirty="0" smtClean="0">
+                <a:solidFill>
+                  <a:schemeClr val="accent6"/>
+                </a:solidFill>
+              </a:rPr>
+            </a:br>
+            <a:r>
+              <a:rPr lang="en-US" sz="2400" dirty="0" smtClean="0">
+                <a:solidFill>
+                  <a:schemeClr val="accent6"/>
+                </a:solidFill>
+              </a:rPr>
+              <a:t/>
+            </a:r>
+            <a:br>
+              <a:rPr lang="en-US" sz="2400" dirty="0" smtClean="0">
+                <a:solidFill>
+                  <a:schemeClr val="accent6"/>
+                </a:solidFill>
+              </a:rPr>
+            </a:br>
+            <a:r>
+              <a:rPr lang="en-US" sz="2400" dirty="0" smtClean="0">
+                <a:solidFill>
+                  <a:schemeClr val="accent6"/>
+                </a:solidFill>
+              </a:rPr>
+              <a:t>With ACL you can enable inheritance by working with default ACL.</a:t>
+            </a:r>
+            <a:br>
+              <a:rPr lang="en-US" sz="2400" dirty="0" smtClean="0">
+                <a:solidFill>
+                  <a:schemeClr val="accent6"/>
+                </a:solidFill>
+              </a:rPr>
+            </a:br>
+            <a:r>
+              <a:rPr lang="en-US" sz="2400" dirty="0" err="1">
+                <a:solidFill>
+                  <a:schemeClr val="bg1"/>
+                </a:solidFill>
+              </a:rPr>
+              <a:t>s</a:t>
+            </a:r>
+            <a:r>
+              <a:rPr lang="en-US" sz="2400" dirty="0" err="1" smtClean="0">
+                <a:solidFill>
+                  <a:schemeClr val="bg1"/>
+                </a:solidFill>
+              </a:rPr>
+              <a:t>etfacl</a:t>
+            </a:r>
+            <a:r>
+              <a:rPr lang="en-US" sz="2400" dirty="0" smtClean="0">
+                <a:solidFill>
+                  <a:schemeClr val="bg1"/>
+                </a:solidFill>
+              </a:rPr>
+              <a:t> –m d:</a:t>
+            </a:r>
+            <a:br>
+              <a:rPr lang="en-US" sz="2400" dirty="0" smtClean="0">
+                <a:solidFill>
+                  <a:schemeClr val="bg1"/>
+                </a:solidFill>
+              </a:rPr>
+            </a:br>
             <a:r>
               <a:rPr lang="en-US" sz="2400" dirty="0">
                 <a:solidFill>
@@ -5249,235 +5388,34 @@
               </a:rPr>
             </a:br>
             <a:r>
-              <a:rPr lang="en-US" sz="2400" dirty="0" smtClean="0">
-                <a:solidFill>
-                  <a:schemeClr val="accent6"/>
-                </a:solidFill>
-              </a:rPr>
-              <a:t/>
-            </a:r>
-            <a:br>
-              <a:rPr lang="en-US" sz="2400" dirty="0" smtClean="0">
-                <a:solidFill>
-                  <a:schemeClr val="accent6"/>
-                </a:solidFill>
-              </a:rPr>
-            </a:br>
-            <a:r>
-              <a:rPr lang="en-US" sz="2400" dirty="0" err="1" smtClean="0">
-                <a:solidFill>
-                  <a:schemeClr val="bg1"/>
-                </a:solidFill>
-              </a:rPr>
-              <a:t>getfacl</a:t>
-            </a:r>
-            <a:r>
-              <a:rPr lang="en-US" sz="2400" dirty="0" smtClean="0">
-                <a:solidFill>
-                  <a:schemeClr val="bg1"/>
-                </a:solidFill>
-              </a:rPr>
-              <a:t> /</a:t>
-            </a:r>
-            <a:r>
-              <a:rPr lang="en-US" sz="2400" dirty="0" err="1" smtClean="0">
-                <a:solidFill>
-                  <a:schemeClr val="bg1"/>
-                </a:solidFill>
-              </a:rPr>
-              <a:t>tmp</a:t>
-            </a:r>
-            <a:r>
-              <a:rPr lang="en-US" sz="2400" dirty="0" smtClean="0">
-                <a:solidFill>
-                  <a:schemeClr val="bg1"/>
-                </a:solidFill>
-              </a:rPr>
-              <a:t>/</a:t>
-            </a:r>
-            <a:r>
-              <a:rPr lang="en-US" sz="2400" dirty="0" err="1" smtClean="0">
-                <a:solidFill>
-                  <a:schemeClr val="bg1"/>
-                </a:solidFill>
-              </a:rPr>
-              <a:t>gosho</a:t>
-            </a:r>
-            <a:r>
-              <a:rPr lang="en-US" sz="2400" dirty="0" smtClean="0">
-                <a:solidFill>
-                  <a:schemeClr val="bg1"/>
-                </a:solidFill>
-              </a:rPr>
-              <a:t/>
-            </a:r>
-            <a:br>
-              <a:rPr lang="en-US" sz="2400" dirty="0" smtClean="0">
-                <a:solidFill>
-                  <a:schemeClr val="bg1"/>
-                </a:solidFill>
-              </a:rPr>
-            </a:br>
-            <a:r>
-              <a:rPr lang="en-US" sz="2400" dirty="0" err="1" smtClean="0">
-                <a:solidFill>
-                  <a:schemeClr val="bg1"/>
-                </a:solidFill>
-              </a:rPr>
-              <a:t>setfacl</a:t>
-            </a:r>
-            <a:r>
-              <a:rPr lang="en-US" sz="2400" dirty="0" smtClean="0">
-                <a:solidFill>
-                  <a:schemeClr val="bg1"/>
-                </a:solidFill>
-              </a:rPr>
-              <a:t> /</a:t>
-            </a:r>
-            <a:r>
-              <a:rPr lang="en-US" sz="2400" dirty="0" err="1" smtClean="0">
-                <a:solidFill>
-                  <a:schemeClr val="bg1"/>
-                </a:solidFill>
-              </a:rPr>
-              <a:t>tmp</a:t>
-            </a:r>
-            <a:r>
-              <a:rPr lang="en-US" sz="2400" dirty="0" smtClean="0">
-                <a:solidFill>
-                  <a:schemeClr val="bg1"/>
-                </a:solidFill>
-              </a:rPr>
-              <a:t>/</a:t>
-            </a:r>
-            <a:r>
-              <a:rPr lang="en-US" sz="2400" dirty="0" err="1" smtClean="0">
-                <a:solidFill>
-                  <a:schemeClr val="bg1"/>
-                </a:solidFill>
-              </a:rPr>
-              <a:t>gosho</a:t>
-            </a:r>
-            <a:r>
-              <a:rPr lang="en-US" sz="2400" dirty="0" smtClean="0">
-                <a:solidFill>
-                  <a:schemeClr val="accent6"/>
-                </a:solidFill>
-              </a:rPr>
-              <a:t/>
-            </a:r>
-            <a:br>
-              <a:rPr lang="en-US" sz="2400" dirty="0" smtClean="0">
-                <a:solidFill>
-                  <a:schemeClr val="accent6"/>
-                </a:solidFill>
-              </a:rPr>
-            </a:br>
-            <a:r>
-              <a:rPr lang="en-US" sz="2400" dirty="0" smtClean="0">
-                <a:solidFill>
-                  <a:schemeClr val="accent6"/>
-                </a:solidFill>
-              </a:rPr>
-              <a:t/>
-            </a:r>
-            <a:br>
-              <a:rPr lang="en-US" sz="2400" dirty="0" smtClean="0">
-                <a:solidFill>
-                  <a:schemeClr val="accent6"/>
-                </a:solidFill>
-              </a:rPr>
-            </a:br>
-            <a:r>
-              <a:rPr lang="en-US" sz="2400" dirty="0" smtClean="0">
-                <a:solidFill>
-                  <a:schemeClr val="accent6"/>
-                </a:solidFill>
-              </a:rPr>
-              <a:t>With ACL you can enable inheritance by working with default ACL.</a:t>
-            </a:r>
-            <a:br>
-              <a:rPr lang="en-US" sz="2400" dirty="0" smtClean="0">
-                <a:solidFill>
-                  <a:schemeClr val="accent6"/>
-                </a:solidFill>
-              </a:rPr>
-            </a:br>
-            <a:r>
-              <a:rPr lang="en-US" sz="2400" dirty="0" err="1">
-                <a:solidFill>
-                  <a:schemeClr val="bg1"/>
-                </a:solidFill>
-              </a:rPr>
-              <a:t>s</a:t>
-            </a:r>
-            <a:r>
-              <a:rPr lang="en-US" sz="2400" dirty="0" err="1" smtClean="0">
-                <a:solidFill>
-                  <a:schemeClr val="bg1"/>
-                </a:solidFill>
-              </a:rPr>
-              <a:t>etfacl</a:t>
-            </a:r>
-            <a:r>
-              <a:rPr lang="en-US" sz="2400" dirty="0" smtClean="0">
-                <a:solidFill>
-                  <a:schemeClr val="bg1"/>
-                </a:solidFill>
-              </a:rPr>
-              <a:t> –m d:</a:t>
-            </a:r>
-            <a:r>
-              <a:rPr lang="en-US" sz="2400" dirty="0" smtClean="0">
-                <a:solidFill>
-                  <a:schemeClr val="bg1"/>
-                </a:solidFill>
-              </a:rPr>
-              <a:t/>
-            </a:r>
-            <a:br>
-              <a:rPr lang="en-US" sz="2400" dirty="0" smtClean="0">
-                <a:solidFill>
-                  <a:schemeClr val="bg1"/>
-                </a:solidFill>
-              </a:rPr>
-            </a:br>
-            <a:r>
-              <a:rPr lang="en-US" sz="2400" dirty="0">
-                <a:solidFill>
-                  <a:schemeClr val="accent6"/>
-                </a:solidFill>
-              </a:rPr>
-              <a:t/>
-            </a:r>
-            <a:br>
-              <a:rPr lang="en-US" sz="2400" dirty="0">
-                <a:solidFill>
-                  <a:schemeClr val="accent6"/>
-                </a:solidFill>
-              </a:rPr>
-            </a:br>
-            <a:r>
               <a:rPr lang="en-US" sz="2000" dirty="0">
                 <a:solidFill>
-                  <a:schemeClr val="bg1"/>
+                  <a:srgbClr val="FF0000"/>
                 </a:solidFill>
               </a:rPr>
               <a:t>Homework:</a:t>
             </a:r>
-            <a:br>
+            <a:r>
               <a:rPr lang="en-US" sz="2000" dirty="0">
                 <a:solidFill>
                   <a:schemeClr val="bg1"/>
                 </a:solidFill>
               </a:rPr>
-            </a:br>
-            <a:r>
+              <a:t/>
+            </a:r>
+            <a:br>
               <a:rPr lang="en-US" sz="2000" dirty="0">
                 <a:solidFill>
                   <a:schemeClr val="bg1"/>
                 </a:solidFill>
               </a:rPr>
+            </a:br>
+            <a:r>
+              <a:rPr lang="en-US" sz="2000" dirty="0">
+                <a:solidFill>
+                  <a:schemeClr val="bg1"/>
+                </a:solidFill>
+              </a:rPr>
               <a:t>1. Set up a shared group environment. Create two directories: /data/account and /data/sales. Make the group sales owner of the directory sales, and make the group account owner of the directory account.</a:t>
             </a:r>
             <a:br>
@@ -5523,15 +5461,7 @@
                   <a:schemeClr val="bg1"/>
                 </a:solidFill>
               </a:rPr>
-              <a:t>4. </a:t>
-            </a:r>
-            <a:r>
-              <a:rPr lang="en-US" sz="2000" dirty="0">
-                <a:solidFill>
-                  <a:schemeClr val="bg1"/>
-                </a:solidFill>
-              </a:rPr>
-              <a:t>Create simple bash files ( google search ) and try to run them</a:t>
+              <a:t>4. Create simple bash files ( google search ) and try to run them</a:t>
             </a:r>
             <a:br>
               <a:rPr lang="en-US" sz="2000" dirty="0">
